--- a/LMS/slides/0 - Introdução_disciplina.pptx
+++ b/LMS/slides/0 - Introdução_disciplina.pptx
@@ -250,7 +250,7 @@
           </a:bodyPr>
           <a:p>
             <a:pPr algn="r"/>
-            <a:fld id="{733B8AEB-ED26-468E-93E5-448142DF8AE0}" type="slidenum">
+            <a:fld id="{DC6A88A9-5ED1-4DD6-90BF-A9942CBB12F7}" type="slidenum">
               <a:rPr b="0" lang="pt-BR" sz="1400" spc="-1" strike="noStrike">
                 <a:latin typeface="Times New Roman"/>
               </a:rPr>
@@ -287,7 +287,7 @@
       </p:grpSpPr>
       <p:sp>
         <p:nvSpPr>
-          <p:cNvPr id="155" name="PlaceHolder 1"/>
+          <p:cNvPr id="151" name="PlaceHolder 1"/>
           <p:cNvSpPr>
             <a:spLocks noGrp="1"/>
           </p:cNvSpPr>
@@ -298,16 +298,16 @@
         <p:spPr>
           <a:xfrm>
             <a:off x="685800" y="1143000"/>
-            <a:ext cx="5485680" cy="3085560"/>
-          </a:xfrm>
-          <a:prstGeom prst="rect">
-            <a:avLst/>
-          </a:prstGeom>
-        </p:spPr>
-      </p:sp>
-      <p:sp>
-        <p:nvSpPr>
-          <p:cNvPr id="156" name="PlaceHolder 2"/>
+            <a:ext cx="5485320" cy="3085200"/>
+          </a:xfrm>
+          <a:prstGeom prst="rect">
+            <a:avLst/>
+          </a:prstGeom>
+        </p:spPr>
+      </p:sp>
+      <p:sp>
+        <p:nvSpPr>
+          <p:cNvPr id="152" name="PlaceHolder 2"/>
           <p:cNvSpPr>
             <a:spLocks noGrp="1"/>
           </p:cNvSpPr>
@@ -318,7 +318,7 @@
         <p:spPr>
           <a:xfrm>
             <a:off x="685800" y="4400640"/>
-            <a:ext cx="5485680" cy="3599640"/>
+            <a:ext cx="5485320" cy="3599280"/>
           </a:xfrm>
           <a:prstGeom prst="rect">
             <a:avLst/>
@@ -337,14 +337,14 @@
       </p:sp>
       <p:sp>
         <p:nvSpPr>
-          <p:cNvPr id="157" name="Espaço Reservado para Número de Slide 3"/>
+          <p:cNvPr id="153" name="Espaço Reservado para Número de Slide 3"/>
           <p:cNvSpPr/>
           <p:nvPr/>
         </p:nvSpPr>
         <p:spPr>
           <a:xfrm>
             <a:off x="3884760" y="8685360"/>
-            <a:ext cx="2971080" cy="457920"/>
+            <a:ext cx="2970720" cy="457560"/>
           </a:xfrm>
           <a:prstGeom prst="rect">
             <a:avLst/>
@@ -370,7 +370,7 @@
                 <a:spcPct val="100000"/>
               </a:lnSpc>
             </a:pPr>
-            <a:fld id="{81DA99DC-EA2C-4F58-B3B5-F23187CE9973}" type="slidenum">
+            <a:fld id="{8515B577-5E5A-4F98-B48F-051F70961392}" type="slidenum">
               <a:rPr b="0" lang="en-US" sz="1200" spc="-1" strike="noStrike">
                 <a:solidFill>
                   <a:srgbClr val="000000"/>
@@ -4529,8 +4529,8 @@
         </p:nvSpPr>
         <p:spPr>
           <a:xfrm>
-            <a:off x="1097280" y="5074920"/>
-            <a:ext cx="10112400" cy="822240"/>
+            <a:off x="609480" y="273600"/>
+            <a:ext cx="10972080" cy="1144440"/>
           </a:xfrm>
           <a:prstGeom prst="rect">
             <a:avLst/>
@@ -4566,7 +4566,7 @@
         <p:spPr>
           <a:xfrm>
             <a:off x="609480" y="1604520"/>
-            <a:ext cx="10972440" cy="3977280"/>
+            <a:ext cx="10972080" cy="3976920"/>
           </a:xfrm>
           <a:prstGeom prst="rect">
             <a:avLst/>
@@ -4589,12 +4589,12 @@
               <a:buChar char=""/>
             </a:pPr>
             <a:r>
-              <a:rPr b="0" lang="pt-BR" sz="3200" spc="-1" strike="noStrike">
+              <a:rPr b="0" lang="pt-BR" sz="1800" spc="-1" strike="noStrike">
                 <a:latin typeface="Arial"/>
               </a:rPr>
               <a:t>Clique para editar o formato do texto da estrutura de tópicos</a:t>
             </a:r>
-            <a:endParaRPr b="0" lang="pt-BR" sz="3200" spc="-1" strike="noStrike">
+            <a:endParaRPr b="0" lang="pt-BR" sz="1800" spc="-1" strike="noStrike">
               <a:latin typeface="Arial"/>
             </a:endParaRPr>
           </a:p>
@@ -4611,12 +4611,12 @@
               <a:buChar char=""/>
             </a:pPr>
             <a:r>
-              <a:rPr b="0" lang="pt-BR" sz="2800" spc="-1" strike="noStrike">
+              <a:rPr b="0" lang="pt-BR" sz="1800" spc="-1" strike="noStrike">
                 <a:latin typeface="Arial"/>
               </a:rPr>
               <a:t>2.º nível da estrutura de tópicos</a:t>
             </a:r>
-            <a:endParaRPr b="0" lang="pt-BR" sz="2800" spc="-1" strike="noStrike">
+            <a:endParaRPr b="0" lang="pt-BR" sz="1800" spc="-1" strike="noStrike">
               <a:latin typeface="Arial"/>
             </a:endParaRPr>
           </a:p>
@@ -4633,12 +4633,12 @@
               <a:buChar char=""/>
             </a:pPr>
             <a:r>
-              <a:rPr b="0" lang="pt-BR" sz="2400" spc="-1" strike="noStrike">
+              <a:rPr b="0" lang="pt-BR" sz="1800" spc="-1" strike="noStrike">
                 <a:latin typeface="Arial"/>
               </a:rPr>
               <a:t>3.º nível da estrutura de tópicos</a:t>
             </a:r>
-            <a:endParaRPr b="0" lang="pt-BR" sz="2400" spc="-1" strike="noStrike">
+            <a:endParaRPr b="0" lang="pt-BR" sz="1800" spc="-1" strike="noStrike">
               <a:latin typeface="Arial"/>
             </a:endParaRPr>
           </a:p>
@@ -4655,12 +4655,12 @@
               <a:buChar char=""/>
             </a:pPr>
             <a:r>
-              <a:rPr b="0" lang="pt-BR" sz="2000" spc="-1" strike="noStrike">
+              <a:rPr b="0" lang="pt-BR" sz="1800" spc="-1" strike="noStrike">
                 <a:latin typeface="Arial"/>
               </a:rPr>
               <a:t>4.º nível da estrutura de tópicos</a:t>
             </a:r>
-            <a:endParaRPr b="0" lang="pt-BR" sz="2000" spc="-1" strike="noStrike">
+            <a:endParaRPr b="0" lang="pt-BR" sz="1800" spc="-1" strike="noStrike">
               <a:latin typeface="Arial"/>
             </a:endParaRPr>
           </a:p>
@@ -4677,12 +4677,12 @@
               <a:buChar char=""/>
             </a:pPr>
             <a:r>
-              <a:rPr b="0" lang="pt-BR" sz="2000" spc="-1" strike="noStrike">
+              <a:rPr b="0" lang="pt-BR" sz="1800" spc="-1" strike="noStrike">
                 <a:latin typeface="Arial"/>
               </a:rPr>
               <a:t>5.º nível da estrutura de tópicos</a:t>
             </a:r>
-            <a:endParaRPr b="0" lang="pt-BR" sz="2000" spc="-1" strike="noStrike">
+            <a:endParaRPr b="0" lang="pt-BR" sz="1800" spc="-1" strike="noStrike">
               <a:latin typeface="Arial"/>
             </a:endParaRPr>
           </a:p>
@@ -4699,12 +4699,12 @@
               <a:buChar char=""/>
             </a:pPr>
             <a:r>
-              <a:rPr b="0" lang="pt-BR" sz="2000" spc="-1" strike="noStrike">
+              <a:rPr b="0" lang="pt-BR" sz="1800" spc="-1" strike="noStrike">
                 <a:latin typeface="Arial"/>
               </a:rPr>
               <a:t>6.º nível da estrutura de tópicos</a:t>
             </a:r>
-            <a:endParaRPr b="0" lang="pt-BR" sz="2000" spc="-1" strike="noStrike">
+            <a:endParaRPr b="0" lang="pt-BR" sz="1800" spc="-1" strike="noStrike">
               <a:latin typeface="Arial"/>
             </a:endParaRPr>
           </a:p>
@@ -4721,12 +4721,12 @@
               <a:buChar char=""/>
             </a:pPr>
             <a:r>
-              <a:rPr b="0" lang="pt-BR" sz="2000" spc="-1" strike="noStrike">
+              <a:rPr b="0" lang="pt-BR" sz="1800" spc="-1" strike="noStrike">
                 <a:latin typeface="Arial"/>
               </a:rPr>
               <a:t>7.º nível da estrutura de tópicos</a:t>
             </a:r>
-            <a:endParaRPr b="0" lang="pt-BR" sz="2000" spc="-1" strike="noStrike">
+            <a:endParaRPr b="0" lang="pt-BR" sz="1800" spc="-1" strike="noStrike">
               <a:latin typeface="Arial"/>
             </a:endParaRPr>
           </a:p>
@@ -5113,7 +5113,7 @@
         <p:spPr>
           <a:xfrm>
             <a:off x="0" y="4952880"/>
-            <a:ext cx="12188160" cy="1904400"/>
+            <a:ext cx="12187800" cy="1904040"/>
           </a:xfrm>
           <a:prstGeom prst="rect">
             <a:avLst/>
@@ -5149,7 +5149,7 @@
         <p:spPr>
           <a:xfrm>
             <a:off x="0" y="4915080"/>
-            <a:ext cx="12188160" cy="63360"/>
+            <a:ext cx="12187800" cy="63000"/>
           </a:xfrm>
           <a:prstGeom prst="rect">
             <a:avLst/>
@@ -5448,7 +5448,7 @@
         <p:spPr>
           <a:xfrm>
             <a:off x="0" y="0"/>
-            <a:ext cx="12191400" cy="6857280"/>
+            <a:ext cx="12191040" cy="6856920"/>
           </a:xfrm>
           <a:prstGeom prst="rect">
             <a:avLst/>
@@ -5489,7 +5489,7 @@
         <p:spPr>
           <a:xfrm>
             <a:off x="1097280" y="1512720"/>
-            <a:ext cx="10057680" cy="3458880"/>
+            <a:ext cx="10057320" cy="3458520"/>
           </a:xfrm>
           <a:prstGeom prst="rect">
             <a:avLst/>
@@ -5521,6 +5521,7 @@
                   <a:srgbClr val="ffffff"/>
                 </a:solidFill>
                 <a:latin typeface="Calibri Light"/>
+                <a:ea typeface="DejaVu Sans"/>
               </a:rPr>
               <a:t>Linguagens de Marcação e Scripts</a:t>
             </a:r>
@@ -5539,7 +5540,7 @@
         <p:spPr>
           <a:xfrm>
             <a:off x="1013400" y="5809320"/>
-            <a:ext cx="10057680" cy="517680"/>
+            <a:ext cx="10057320" cy="517320"/>
           </a:xfrm>
           <a:prstGeom prst="rect">
             <a:avLst/>
@@ -5575,11 +5576,12 @@
               </a:tabLst>
             </a:pPr>
             <a:r>
-              <a:rPr b="1" lang="en-US" sz="3600" spc="197" strike="noStrike">
+              <a:rPr b="1" lang="en-US" sz="3600" spc="194" strike="noStrike">
                 <a:solidFill>
                   <a:srgbClr val="ffffff"/>
                 </a:solidFill>
                 <a:latin typeface="Calibri Light"/>
+                <a:ea typeface="DejaVu Sans"/>
               </a:rPr>
               <a:t>Prof. Jefferson de Carvalho</a:t>
             </a:r>
@@ -5636,7 +5638,7 @@
         <p:spPr>
           <a:xfrm>
             <a:off x="360" y="0"/>
-            <a:ext cx="3212640" cy="863280"/>
+            <a:ext cx="3212280" cy="862920"/>
           </a:xfrm>
           <a:prstGeom prst="rect">
             <a:avLst/>
@@ -5678,14 +5680,14 @@
       </p:grpSpPr>
       <p:sp>
         <p:nvSpPr>
-          <p:cNvPr id="153" name="Título 7"/>
+          <p:cNvPr id="149" name="Título 7"/>
           <p:cNvSpPr/>
           <p:nvPr/>
         </p:nvSpPr>
         <p:spPr>
           <a:xfrm>
             <a:off x="717120" y="5326920"/>
-            <a:ext cx="10112400" cy="822240"/>
+            <a:ext cx="10112040" cy="821880"/>
           </a:xfrm>
           <a:prstGeom prst="rect">
             <a:avLst/>
@@ -5717,6 +5719,7 @@
                   <a:srgbClr val="ffffff"/>
                 </a:solidFill>
                 <a:latin typeface="Calibri Light"/>
+                <a:ea typeface="DejaVu Sans"/>
               </a:rPr>
               <a:t>Prof. Jefferson de Carvalho</a:t>
             </a:r>
@@ -5736,6 +5739,7 @@
                   <a:srgbClr val="ffffff"/>
                 </a:solidFill>
                 <a:latin typeface="Calibri Light"/>
+                <a:ea typeface="DejaVu Sans"/>
               </a:rPr>
               <a:t>Prof. Victor Farias (slides cedidos)</a:t>
             </a:r>
@@ -5747,14 +5751,14 @@
       </p:sp>
       <p:sp>
         <p:nvSpPr>
-          <p:cNvPr id="154" name="Google Shape;142;p26"/>
+          <p:cNvPr id="150" name="Google Shape;142;p26"/>
           <p:cNvSpPr/>
           <p:nvPr/>
         </p:nvSpPr>
         <p:spPr>
           <a:xfrm>
             <a:off x="653760" y="701640"/>
-            <a:ext cx="7471440" cy="5453640"/>
+            <a:ext cx="7471080" cy="5453280"/>
           </a:xfrm>
           <a:prstGeom prst="rect">
             <a:avLst/>
@@ -5835,7 +5839,7 @@
         <p:spPr>
           <a:xfrm>
             <a:off x="666720" y="226800"/>
-            <a:ext cx="10946520" cy="789480"/>
+            <a:ext cx="10946160" cy="789120"/>
           </a:xfrm>
           <a:prstGeom prst="rect">
             <a:avLst/>
@@ -5867,6 +5871,7 @@
                   <a:srgbClr val="000000"/>
                 </a:solidFill>
                 <a:latin typeface="Calibri Light"/>
+                <a:ea typeface="DejaVu Sans"/>
               </a:rPr>
               <a:t>Objetivos</a:t>
             </a:r>
@@ -5885,7 +5890,7 @@
         <p:spPr>
           <a:xfrm>
             <a:off x="666720" y="1262520"/>
-            <a:ext cx="10946520" cy="5283000"/>
+            <a:ext cx="10946160" cy="5282640"/>
           </a:xfrm>
           <a:prstGeom prst="rect">
             <a:avLst/>
@@ -5906,7 +5911,7 @@
             <a:noAutofit/>
           </a:bodyPr>
           <a:p>
-            <a:pPr marL="91440" indent="-283680">
+            <a:pPr marL="91440" indent="-283320">
               <a:lnSpc>
                 <a:spcPct val="100000"/>
               </a:lnSpc>
@@ -5928,6 +5933,7 @@
                   <a:srgbClr val="000000"/>
                 </a:solidFill>
                 <a:latin typeface="Calibri"/>
+                <a:ea typeface="DejaVu Sans"/>
               </a:rPr>
               <a:t>Objetivos Gerais</a:t>
             </a:r>
@@ -5936,7 +5942,7 @@
             </a:endParaRPr>
           </a:p>
           <a:p>
-            <a:pPr lvl="1" marL="487080" indent="-285120">
+            <a:pPr lvl="1" marL="487080" indent="-284760">
               <a:lnSpc>
                 <a:spcPct val="100000"/>
               </a:lnSpc>
@@ -5958,6 +5964,7 @@
                   <a:srgbClr val="000000"/>
                 </a:solidFill>
                 <a:latin typeface="Calibri"/>
+                <a:ea typeface="DejaVu Sans"/>
               </a:rPr>
               <a:t>Entender como usar scripts e linguagens de marcação para construir interfaces dinâmicas</a:t>
             </a:r>
@@ -5966,7 +5973,7 @@
             </a:endParaRPr>
           </a:p>
           <a:p>
-            <a:pPr marL="91440" indent="-283680">
+            <a:pPr marL="91440" indent="-283320">
               <a:lnSpc>
                 <a:spcPct val="100000"/>
               </a:lnSpc>
@@ -5988,6 +5995,7 @@
                   <a:srgbClr val="000000"/>
                 </a:solidFill>
                 <a:latin typeface="Calibri"/>
+                <a:ea typeface="DejaVu Sans"/>
               </a:rPr>
               <a:t>Objetivos específicos:</a:t>
             </a:r>
@@ -5996,7 +6004,7 @@
             </a:endParaRPr>
           </a:p>
           <a:p>
-            <a:pPr lvl="1" marL="487080" indent="-285120">
+            <a:pPr lvl="1" marL="487080" indent="-284760">
               <a:lnSpc>
                 <a:spcPct val="100000"/>
               </a:lnSpc>
@@ -6018,6 +6026,7 @@
                   <a:srgbClr val="000000"/>
                 </a:solidFill>
                 <a:latin typeface="Calibri"/>
+                <a:ea typeface="DejaVu Sans"/>
               </a:rPr>
               <a:t>Conhecer e aplicar conceitos de HTML e CSS</a:t>
             </a:r>
@@ -6026,7 +6035,7 @@
             </a:endParaRPr>
           </a:p>
           <a:p>
-            <a:pPr lvl="1" marL="487080" indent="-285120">
+            <a:pPr lvl="1" marL="487080" indent="-284760">
               <a:lnSpc>
                 <a:spcPct val="100000"/>
               </a:lnSpc>
@@ -6048,6 +6057,7 @@
                   <a:srgbClr val="000000"/>
                 </a:solidFill>
                 <a:latin typeface="Calibri"/>
+                <a:ea typeface="DejaVu Sans"/>
               </a:rPr>
               <a:t>Conhecer e aplicar conceitos de HTML5</a:t>
             </a:r>
@@ -6056,7 +6066,7 @@
             </a:endParaRPr>
           </a:p>
           <a:p>
-            <a:pPr lvl="1" marL="487080" indent="-285120">
+            <a:pPr lvl="1" marL="487080" indent="-284760">
               <a:lnSpc>
                 <a:spcPct val="100000"/>
               </a:lnSpc>
@@ -6078,6 +6088,7 @@
                   <a:srgbClr val="000000"/>
                 </a:solidFill>
                 <a:latin typeface="Calibri"/>
+                <a:ea typeface="DejaVu Sans"/>
               </a:rPr>
               <a:t>Conhecer e aplicar conceitos de Javascript</a:t>
             </a:r>
@@ -6086,7 +6097,7 @@
             </a:endParaRPr>
           </a:p>
           <a:p>
-            <a:pPr lvl="1" marL="487080" indent="-285120">
+            <a:pPr lvl="1" marL="487080" indent="-284760">
               <a:lnSpc>
                 <a:spcPct val="100000"/>
               </a:lnSpc>
@@ -6108,6 +6119,7 @@
                   <a:srgbClr val="000000"/>
                 </a:solidFill>
                 <a:latin typeface="Calibri"/>
+                <a:ea typeface="DejaVu Sans"/>
               </a:rPr>
               <a:t>Conhecer e aplicar conceitos de JSON</a:t>
             </a:r>
@@ -6175,7 +6187,7 @@
         <p:spPr>
           <a:xfrm>
             <a:off x="666720" y="226800"/>
-            <a:ext cx="10946520" cy="789480"/>
+            <a:ext cx="10946160" cy="789120"/>
           </a:xfrm>
           <a:prstGeom prst="rect">
             <a:avLst/>
@@ -6207,6 +6219,7 @@
                   <a:srgbClr val="000000"/>
                 </a:solidFill>
                 <a:latin typeface="Calibri Light"/>
+                <a:ea typeface="DejaVu Sans"/>
               </a:rPr>
               <a:t>Conteúdo Programático</a:t>
             </a:r>
@@ -6225,7 +6238,7 @@
         <p:spPr>
           <a:xfrm>
             <a:off x="666720" y="1262520"/>
-            <a:ext cx="10946520" cy="5283000"/>
+            <a:ext cx="10946160" cy="5282640"/>
           </a:xfrm>
           <a:prstGeom prst="rect">
             <a:avLst/>
@@ -6246,7 +6259,7 @@
             <a:normAutofit/>
           </a:bodyPr>
           <a:p>
-            <a:pPr marL="91440" indent="-283680">
+            <a:pPr marL="91440" indent="-283320">
               <a:lnSpc>
                 <a:spcPct val="100000"/>
               </a:lnSpc>
@@ -6268,6 +6281,7 @@
                   <a:srgbClr val="000000"/>
                 </a:solidFill>
                 <a:latin typeface="Calibri"/>
+                <a:ea typeface="DejaVu Sans"/>
               </a:rPr>
               <a:t>HTML</a:t>
             </a:r>
@@ -6276,7 +6290,7 @@
             </a:endParaRPr>
           </a:p>
           <a:p>
-            <a:pPr lvl="1" marL="487080" indent="-285120">
+            <a:pPr lvl="1" marL="487080" indent="-284760">
               <a:lnSpc>
                 <a:spcPct val="100000"/>
               </a:lnSpc>
@@ -6298,6 +6312,7 @@
                   <a:srgbClr val="000000"/>
                 </a:solidFill>
                 <a:latin typeface="Calibri"/>
+                <a:ea typeface="DejaVu Sans"/>
               </a:rPr>
               <a:t>Tags, atributos, elementos semânticos...</a:t>
             </a:r>
@@ -6306,7 +6321,7 @@
             </a:endParaRPr>
           </a:p>
           <a:p>
-            <a:pPr marL="91440" indent="-283680">
+            <a:pPr marL="91440" indent="-283320">
               <a:lnSpc>
                 <a:spcPct val="100000"/>
               </a:lnSpc>
@@ -6328,6 +6343,7 @@
                   <a:srgbClr val="000000"/>
                 </a:solidFill>
                 <a:latin typeface="Calibri"/>
+                <a:ea typeface="DejaVu Sans"/>
               </a:rPr>
               <a:t>CSS</a:t>
             </a:r>
@@ -6336,7 +6352,7 @@
             </a:endParaRPr>
           </a:p>
           <a:p>
-            <a:pPr lvl="1" marL="487080" indent="-285120">
+            <a:pPr lvl="1" marL="487080" indent="-284760">
               <a:lnSpc>
                 <a:spcPct val="100000"/>
               </a:lnSpc>
@@ -6358,6 +6374,7 @@
                   <a:srgbClr val="000000"/>
                 </a:solidFill>
                 <a:latin typeface="Calibri"/>
+                <a:ea typeface="DejaVu Sans"/>
               </a:rPr>
               <a:t>Seletores, cores, fundos, bordas...</a:t>
             </a:r>
@@ -6366,7 +6383,7 @@
             </a:endParaRPr>
           </a:p>
           <a:p>
-            <a:pPr lvl="1" marL="487080" indent="-285120">
+            <a:pPr lvl="1" marL="487080" indent="-284760">
               <a:lnSpc>
                 <a:spcPct val="100000"/>
               </a:lnSpc>
@@ -6388,6 +6405,7 @@
                   <a:srgbClr val="000000"/>
                 </a:solidFill>
                 <a:latin typeface="Calibri"/>
+                <a:ea typeface="DejaVu Sans"/>
               </a:rPr>
               <a:t>Layouts</a:t>
             </a:r>
@@ -6396,7 +6414,7 @@
             </a:endParaRPr>
           </a:p>
           <a:p>
-            <a:pPr lvl="1" marL="487080" indent="-285120">
+            <a:pPr lvl="1" marL="487080" indent="-284760">
               <a:lnSpc>
                 <a:spcPct val="100000"/>
               </a:lnSpc>
@@ -6418,6 +6436,7 @@
                   <a:srgbClr val="000000"/>
                 </a:solidFill>
                 <a:latin typeface="Calibri"/>
+                <a:ea typeface="DejaVu Sans"/>
               </a:rPr>
               <a:t>Componentes</a:t>
             </a:r>
@@ -6426,7 +6445,7 @@
             </a:endParaRPr>
           </a:p>
           <a:p>
-            <a:pPr marL="91440" indent="-283680">
+            <a:pPr marL="91440" indent="-283320">
               <a:lnSpc>
                 <a:spcPct val="100000"/>
               </a:lnSpc>
@@ -6448,6 +6467,7 @@
                   <a:srgbClr val="000000"/>
                 </a:solidFill>
                 <a:latin typeface="Calibri"/>
+                <a:ea typeface="DejaVu Sans"/>
               </a:rPr>
               <a:t>JavaScript</a:t>
             </a:r>
@@ -6456,7 +6476,7 @@
             </a:endParaRPr>
           </a:p>
           <a:p>
-            <a:pPr lvl="1" marL="487080" indent="-285120">
+            <a:pPr lvl="1" marL="487080" indent="-284760">
               <a:lnSpc>
                 <a:spcPct val="100000"/>
               </a:lnSpc>
@@ -6478,6 +6498,7 @@
                   <a:srgbClr val="000000"/>
                 </a:solidFill>
                 <a:latin typeface="Calibri"/>
+                <a:ea typeface="DejaVu Sans"/>
               </a:rPr>
               <a:t>HTML DOM</a:t>
             </a:r>
@@ -6486,7 +6507,7 @@
             </a:endParaRPr>
           </a:p>
           <a:p>
-            <a:pPr lvl="1" marL="487080" indent="-285120">
+            <a:pPr lvl="1" marL="487080" indent="-284760">
               <a:lnSpc>
                 <a:spcPct val="100000"/>
               </a:lnSpc>
@@ -6508,6 +6529,7 @@
                   <a:srgbClr val="000000"/>
                 </a:solidFill>
                 <a:latin typeface="Calibri"/>
+                <a:ea typeface="DejaVu Sans"/>
               </a:rPr>
               <a:t>JSON</a:t>
             </a:r>
@@ -6516,7 +6538,7 @@
             </a:endParaRPr>
           </a:p>
           <a:p>
-            <a:pPr lvl="1" marL="487080" indent="-285120">
+            <a:pPr lvl="1" marL="487080" indent="-284760">
               <a:lnSpc>
                 <a:spcPct val="100000"/>
               </a:lnSpc>
@@ -6538,6 +6560,7 @@
                   <a:srgbClr val="000000"/>
                 </a:solidFill>
                 <a:latin typeface="Calibri"/>
+                <a:ea typeface="DejaVu Sans"/>
               </a:rPr>
               <a:t>AJAX</a:t>
             </a:r>
@@ -6546,7 +6569,7 @@
             </a:endParaRPr>
           </a:p>
           <a:p>
-            <a:pPr marL="91440" indent="-283680">
+            <a:pPr marL="91440" indent="-283320">
               <a:lnSpc>
                 <a:spcPct val="100000"/>
               </a:lnSpc>
@@ -6568,6 +6591,7 @@
                   <a:srgbClr val="000000"/>
                 </a:solidFill>
                 <a:latin typeface="Calibri"/>
+                <a:ea typeface="DejaVu Sans"/>
               </a:rPr>
               <a:t>BootStrap</a:t>
             </a:r>
@@ -6590,7 +6614,7 @@
         <p:spPr>
           <a:xfrm>
             <a:off x="7620120" y="0"/>
-            <a:ext cx="4571280" cy="6857280"/>
+            <a:ext cx="4570920" cy="6856920"/>
           </a:xfrm>
           <a:prstGeom prst="rect">
             <a:avLst/>
@@ -6639,7 +6663,7 @@
         <p:spPr>
           <a:xfrm>
             <a:off x="666720" y="226800"/>
-            <a:ext cx="10946520" cy="789480"/>
+            <a:ext cx="10946160" cy="789120"/>
           </a:xfrm>
           <a:prstGeom prst="rect">
             <a:avLst/>
@@ -6671,6 +6695,7 @@
                   <a:srgbClr val="000000"/>
                 </a:solidFill>
                 <a:latin typeface="Calibri Light"/>
+                <a:ea typeface="DejaVu Sans"/>
               </a:rPr>
               <a:t>Ferramentas</a:t>
             </a:r>
@@ -6689,7 +6714,7 @@
         <p:spPr>
           <a:xfrm>
             <a:off x="460440" y="1148040"/>
-            <a:ext cx="11502360" cy="5709240"/>
+            <a:ext cx="11502000" cy="5708880"/>
           </a:xfrm>
           <a:prstGeom prst="rect">
             <a:avLst/>
@@ -6710,7 +6735,7 @@
             <a:normAutofit/>
           </a:bodyPr>
           <a:p>
-            <a:pPr marL="91440" indent="-283680">
+            <a:pPr marL="91440" indent="-283320">
               <a:lnSpc>
                 <a:spcPct val="100000"/>
               </a:lnSpc>
@@ -6732,8 +6757,9 @@
                   <a:srgbClr val="000000"/>
                 </a:solidFill>
                 <a:latin typeface="Calibri"/>
-              </a:rPr>
-              <a:t>            </a:t>
+                <a:ea typeface="DejaVu Sans"/>
+              </a:rPr>
+              <a:t>   </a:t>
             </a:r>
             <a:r>
               <a:rPr b="1" lang="en-US" sz="2800" spc="-1" strike="noStrike">
@@ -6741,6 +6767,7 @@
                   <a:srgbClr val="000000"/>
                 </a:solidFill>
                 <a:latin typeface="Calibri"/>
+                <a:ea typeface="DejaVu Sans"/>
               </a:rPr>
               <a:t>Editor de código</a:t>
             </a:r>
@@ -6750,6 +6777,7 @@
                   <a:srgbClr val="000000"/>
                 </a:solidFill>
                 <a:latin typeface="Calibri"/>
+                <a:ea typeface="DejaVu Sans"/>
               </a:rPr>
               <a:t>: VSCode</a:t>
             </a:r>
@@ -6758,58 +6786,7 @@
             </a:endParaRPr>
           </a:p>
           <a:p>
-            <a:pPr>
-              <a:lnSpc>
-                <a:spcPct val="100000"/>
-              </a:lnSpc>
-              <a:spcBef>
-                <a:spcPts val="1199"/>
-              </a:spcBef>
-              <a:spcAft>
-                <a:spcPts val="201"/>
-              </a:spcAft>
-            </a:pPr>
-            <a:endParaRPr b="0" lang="pt-BR" sz="2800" spc="-1" strike="noStrike">
-              <a:latin typeface="Arial"/>
-            </a:endParaRPr>
-          </a:p>
-          <a:p>
-            <a:pPr>
-              <a:lnSpc>
-                <a:spcPct val="100000"/>
-              </a:lnSpc>
-              <a:spcBef>
-                <a:spcPts val="1199"/>
-              </a:spcBef>
-              <a:spcAft>
-                <a:spcPts val="201"/>
-              </a:spcAft>
-            </a:pPr>
-            <a:endParaRPr b="0" lang="pt-BR" sz="2800" spc="-1" strike="noStrike">
-              <a:latin typeface="Arial"/>
-            </a:endParaRPr>
-          </a:p>
-          <a:p>
-            <a:pPr>
-              <a:lnSpc>
-                <a:spcPct val="100000"/>
-              </a:lnSpc>
-              <a:spcBef>
-                <a:spcPts val="1199"/>
-              </a:spcBef>
-              <a:spcAft>
-                <a:spcPts val="201"/>
-              </a:spcAft>
-              <a:tabLst>
-                <a:tab algn="l" pos="0"/>
-              </a:tabLst>
-            </a:pPr>
-            <a:endParaRPr b="0" lang="pt-BR" sz="2800" spc="-1" strike="noStrike">
-              <a:latin typeface="Arial"/>
-            </a:endParaRPr>
-          </a:p>
-          <a:p>
-            <a:pPr marL="91440" indent="-283680">
+            <a:pPr marL="91440" indent="-283320">
               <a:lnSpc>
                 <a:spcPct val="100000"/>
               </a:lnSpc>
@@ -6834,8 +6811,9 @@
                   <a:srgbClr val="000000"/>
                 </a:solidFill>
                 <a:latin typeface="Calibri"/>
-              </a:rPr>
-              <a:t>            </a:t>
+                <a:ea typeface="DejaVu Sans"/>
+              </a:rPr>
+              <a:t>   </a:t>
             </a:r>
             <a:r>
               <a:rPr b="1" lang="en-US" sz="2800" spc="-1" strike="noStrike">
@@ -6843,6 +6821,7 @@
                   <a:srgbClr val="000000"/>
                 </a:solidFill>
                 <a:latin typeface="Calibri"/>
+                <a:ea typeface="DejaVu Sans"/>
               </a:rPr>
               <a:t>Avisos oficiais</a:t>
             </a:r>
@@ -6852,43 +6831,16 @@
                   <a:srgbClr val="000000"/>
                 </a:solidFill>
                 <a:latin typeface="Calibri"/>
-              </a:rPr>
-              <a:t>: SIGAA</a:t>
+                <a:ea typeface="DejaVu Sans"/>
+              </a:rPr>
+              <a:t>: SIGAA      </a:t>
             </a:r>
             <a:endParaRPr b="0" lang="pt-BR" sz="2800" spc="-1" strike="noStrike">
               <a:latin typeface="Arial"/>
             </a:endParaRPr>
           </a:p>
           <a:p>
-            <a:pPr>
-              <a:lnSpc>
-                <a:spcPct val="100000"/>
-              </a:lnSpc>
-              <a:spcBef>
-                <a:spcPts val="1199"/>
-              </a:spcBef>
-              <a:spcAft>
-                <a:spcPts val="201"/>
-              </a:spcAft>
-              <a:tabLst>
-                <a:tab algn="l" pos="0"/>
-              </a:tabLst>
-            </a:pPr>
-            <a:r>
-              <a:rPr b="0" lang="en-US" sz="2800" spc="-1" strike="noStrike">
-                <a:solidFill>
-                  <a:srgbClr val="000000"/>
-                </a:solidFill>
-                <a:latin typeface="Calibri"/>
-              </a:rPr>
-              <a:t>           </a:t>
-            </a:r>
-            <a:endParaRPr b="0" lang="pt-BR" sz="2800" spc="-1" strike="noStrike">
-              <a:latin typeface="Arial"/>
-            </a:endParaRPr>
-          </a:p>
-          <a:p>
-            <a:pPr marL="91440" indent="-283680">
+            <a:pPr marL="91440" indent="-283320">
               <a:lnSpc>
                 <a:spcPct val="100000"/>
               </a:lnSpc>
@@ -6913,8 +6865,9 @@
                   <a:srgbClr val="000000"/>
                 </a:solidFill>
                 <a:latin typeface="Calibri"/>
-              </a:rPr>
-              <a:t>            </a:t>
+                <a:ea typeface="DejaVu Sans"/>
+              </a:rPr>
+              <a:t>   </a:t>
             </a:r>
             <a:r>
               <a:rPr b="1" lang="en-US" sz="2800" spc="-1" strike="noStrike">
@@ -6922,6 +6875,7 @@
                   <a:srgbClr val="000000"/>
                 </a:solidFill>
                 <a:latin typeface="Calibri"/>
+                <a:ea typeface="DejaVu Sans"/>
               </a:rPr>
               <a:t>Referência</a:t>
             </a:r>
@@ -6931,6 +6885,7 @@
                   <a:srgbClr val="000000"/>
                 </a:solidFill>
                 <a:latin typeface="Calibri"/>
+                <a:ea typeface="DejaVu Sans"/>
               </a:rPr>
               <a:t>: w3schools.com</a:t>
             </a:r>
@@ -6939,26 +6894,7 @@
             </a:endParaRPr>
           </a:p>
           <a:p>
-            <a:pPr>
-              <a:lnSpc>
-                <a:spcPct val="100000"/>
-              </a:lnSpc>
-              <a:spcBef>
-                <a:spcPts val="1199"/>
-              </a:spcBef>
-              <a:spcAft>
-                <a:spcPts val="201"/>
-              </a:spcAft>
-              <a:tabLst>
-                <a:tab algn="l" pos="0"/>
-              </a:tabLst>
-            </a:pPr>
-            <a:endParaRPr b="0" lang="pt-BR" sz="2800" spc="-1" strike="noStrike">
-              <a:latin typeface="Arial"/>
-            </a:endParaRPr>
-          </a:p>
-          <a:p>
-            <a:pPr marL="91440" indent="-283680">
+            <a:pPr marL="91440" indent="-283320">
               <a:lnSpc>
                 <a:spcPct val="100000"/>
               </a:lnSpc>
@@ -6978,13 +6914,24 @@
               </a:tabLst>
             </a:pPr>
             <a:r>
+              <a:rPr b="0" lang="en-US" sz="2800" spc="-1" strike="noStrike">
+                <a:solidFill>
+                  <a:srgbClr val="000000"/>
+                </a:solidFill>
+                <a:latin typeface="Calibri"/>
+                <a:ea typeface="DejaVu Sans"/>
+              </a:rPr>
+              <a:t>   </a:t>
+            </a:r>
+            <a:r>
               <a:rPr b="1" lang="en-US" sz="2800" spc="-1" strike="noStrike">
                 <a:solidFill>
                   <a:srgbClr val="000000"/>
                 </a:solidFill>
                 <a:latin typeface="Calibri"/>
-              </a:rPr>
-              <a:t>Comunicação</a:t>
+                <a:ea typeface="DejaVu Sans"/>
+              </a:rPr>
+              <a:t>Video Aulas: </a:t>
             </a:r>
             <a:r>
               <a:rPr b="0" lang="en-US" sz="2800" spc="-1" strike="noStrike">
@@ -6992,6 +6939,61 @@
                   <a:srgbClr val="000000"/>
                 </a:solidFill>
                 <a:latin typeface="Calibri"/>
+                <a:ea typeface="DejaVu Sans"/>
+              </a:rPr>
+              <a:t>Youtube</a:t>
+            </a:r>
+            <a:endParaRPr b="0" lang="pt-BR" sz="2800" spc="-1" strike="noStrike">
+              <a:latin typeface="Arial"/>
+            </a:endParaRPr>
+          </a:p>
+          <a:p>
+            <a:pPr marL="91440" indent="-283320">
+              <a:lnSpc>
+                <a:spcPct val="100000"/>
+              </a:lnSpc>
+              <a:spcBef>
+                <a:spcPts val="1199"/>
+              </a:spcBef>
+              <a:spcAft>
+                <a:spcPts val="201"/>
+              </a:spcAft>
+              <a:buClr>
+                <a:srgbClr val="e48312"/>
+              </a:buClr>
+              <a:buFont typeface="Arial"/>
+              <a:buChar char="•"/>
+              <a:tabLst>
+                <a:tab algn="l" pos="0"/>
+              </a:tabLst>
+            </a:pPr>
+            <a:r>
+              <a:rPr b="1" lang="en-US" sz="2800" spc="-1" strike="noStrike">
+                <a:solidFill>
+                  <a:srgbClr val="000000"/>
+                </a:solidFill>
+                <a:latin typeface="Calibri"/>
+                <a:ea typeface="DejaVu Sans"/>
+              </a:rPr>
+              <a:t>   </a:t>
+            </a:r>
+            <a:r>
+              <a:rPr b="1" lang="en-US" sz="2800" spc="-1" strike="noStrike">
+                <a:solidFill>
+                  <a:srgbClr val="000000"/>
+                </a:solidFill>
+                <a:latin typeface="Calibri"/>
+                <a:ea typeface="DejaVu Sans"/>
+              </a:rPr>
+              <a:t>Comunicação</a:t>
+            </a:r>
+            <a:r>
+              <a:rPr b="0" lang="en-US" sz="2800" spc="-1" strike="noStrike">
+                <a:solidFill>
+                  <a:srgbClr val="000000"/>
+                </a:solidFill>
+                <a:latin typeface="Calibri"/>
+                <a:ea typeface="DejaVu Sans"/>
               </a:rPr>
               <a:t>: e-mail (</a:t>
             </a:r>
@@ -7002,6 +7004,7 @@
                 </a:solidFill>
                 <a:uFillTx/>
                 <a:latin typeface="Calibri"/>
+                <a:ea typeface="DejaVu Sans"/>
               </a:rPr>
               <a:t>jeffersoncarvalho@ufc.br</a:t>
             </a:r>
@@ -7011,6 +7014,7 @@
                   <a:srgbClr val="000000"/>
                 </a:solidFill>
                 <a:latin typeface="Calibri"/>
+                <a:ea typeface="DejaVu Sans"/>
               </a:rPr>
               <a:t>)</a:t>
             </a:r>
@@ -7041,14 +7045,14 @@
       </p:sp>
       <p:sp>
         <p:nvSpPr>
-          <p:cNvPr id="137" name="CaixaDeTexto 5"/>
+          <p:cNvPr id="137" name="AutoShape 2"/>
           <p:cNvSpPr/>
           <p:nvPr/>
         </p:nvSpPr>
         <p:spPr>
           <a:xfrm>
-            <a:off x="9392760" y="4714920"/>
-            <a:ext cx="891000" cy="364320"/>
+            <a:off x="155520" y="-144360"/>
+            <a:ext cx="303840" cy="303840"/>
           </a:xfrm>
           <a:prstGeom prst="rect">
             <a:avLst/>
@@ -7064,42 +7068,17 @@
           <a:effectRef idx="0"/>
           <a:fontRef idx="minor"/>
         </p:style>
-        <p:txBody>
-          <a:bodyPr wrap="none" lIns="90000" rIns="90000" tIns="45000" bIns="45000">
-            <a:spAutoFit/>
-          </a:bodyPr>
-          <a:p>
-            <a:pPr>
-              <a:lnSpc>
-                <a:spcPct val="100000"/>
-              </a:lnSpc>
-            </a:pPr>
-            <a:r>
-              <a:rPr b="0" lang="en-US" sz="1800" spc="-1" strike="noStrike">
-                <a:solidFill>
-                  <a:srgbClr val="000000"/>
-                </a:solidFill>
-                <a:latin typeface="Calibri"/>
-                <a:ea typeface="DejaVu Sans"/>
-              </a:rPr>
-              <a:t>VSCode</a:t>
-            </a:r>
-            <a:endParaRPr b="0" lang="pt-BR" sz="1800" spc="-1" strike="noStrike">
-              <a:latin typeface="Arial"/>
-            </a:endParaRPr>
-          </a:p>
-        </p:txBody>
-      </p:sp>
-      <p:sp>
-        <p:nvSpPr>
-          <p:cNvPr id="138" name="AutoShape 2"/>
+      </p:sp>
+      <p:sp>
+        <p:nvSpPr>
+          <p:cNvPr id="138" name="AutoShape 10"/>
           <p:cNvSpPr/>
           <p:nvPr/>
         </p:nvSpPr>
         <p:spPr>
           <a:xfrm>
-            <a:off x="155520" y="-144360"/>
-            <a:ext cx="304200" cy="304200"/>
+            <a:off x="460440" y="160200"/>
+            <a:ext cx="303840" cy="303840"/>
           </a:xfrm>
           <a:prstGeom prst="rect">
             <a:avLst/>
@@ -7116,101 +7095,6 @@
           <a:fontRef idx="minor"/>
         </p:style>
       </p:sp>
-      <p:sp>
-        <p:nvSpPr>
-          <p:cNvPr id="139" name="AutoShape 10"/>
-          <p:cNvSpPr/>
-          <p:nvPr/>
-        </p:nvSpPr>
-        <p:spPr>
-          <a:xfrm>
-            <a:off x="460440" y="160200"/>
-            <a:ext cx="304200" cy="304200"/>
-          </a:xfrm>
-          <a:prstGeom prst="rect">
-            <a:avLst/>
-          </a:prstGeom>
-          <a:noFill/>
-          <a:ln w="0">
-            <a:noFill/>
-          </a:ln>
-        </p:spPr>
-        <p:style>
-          <a:lnRef idx="0"/>
-          <a:fillRef idx="0"/>
-          <a:effectRef idx="0"/>
-          <a:fontRef idx="minor"/>
-        </p:style>
-      </p:sp>
-      <p:pic>
-        <p:nvPicPr>
-          <p:cNvPr id="140" name="Imagem 6" descr=""/>
-          <p:cNvPicPr/>
-          <p:nvPr/>
-        </p:nvPicPr>
-        <p:blipFill>
-          <a:blip r:embed="rId1"/>
-          <a:stretch/>
-        </p:blipFill>
-        <p:spPr>
-          <a:xfrm>
-            <a:off x="6992280" y="1581120"/>
-            <a:ext cx="5082120" cy="3223800"/>
-          </a:xfrm>
-          <a:prstGeom prst="rect">
-            <a:avLst/>
-          </a:prstGeom>
-          <a:ln w="0">
-            <a:noFill/>
-          </a:ln>
-        </p:spPr>
-      </p:pic>
-      <p:pic>
-        <p:nvPicPr>
-          <p:cNvPr id="141" name="Imagem 7" descr=""/>
-          <p:cNvPicPr/>
-          <p:nvPr/>
-        </p:nvPicPr>
-        <p:blipFill>
-          <a:blip r:embed="rId2"/>
-          <a:stretch/>
-        </p:blipFill>
-        <p:spPr>
-          <a:xfrm>
-            <a:off x="864720" y="1157760"/>
-            <a:ext cx="541440" cy="541440"/>
-          </a:xfrm>
-          <a:prstGeom prst="rect">
-            <a:avLst/>
-          </a:prstGeom>
-          <a:ln w="0">
-            <a:noFill/>
-          </a:ln>
-        </p:spPr>
-      </p:pic>
-      <p:pic>
-        <p:nvPicPr>
-          <p:cNvPr id="142" name="Imagem 8" descr=""/>
-          <p:cNvPicPr/>
-          <p:nvPr/>
-        </p:nvPicPr>
-        <p:blipFill>
-          <a:blip r:embed="rId3"/>
-          <a:stretch/>
-        </p:blipFill>
-        <p:spPr>
-          <a:xfrm>
-            <a:off x="765000" y="4641120"/>
-            <a:ext cx="784080" cy="784080"/>
-          </a:xfrm>
-          <a:prstGeom prst="rect">
-            <a:avLst/>
-          </a:prstGeom>
-          <a:ln w="0">
-            <a:noFill/>
-          </a:ln>
-        </p:spPr>
-      </p:pic>
     </p:spTree>
   </p:cSld>
   <mc:AlternateContent>
@@ -7243,14 +7127,14 @@
       </p:grpSpPr>
       <p:sp>
         <p:nvSpPr>
-          <p:cNvPr id="143" name="Título 1"/>
+          <p:cNvPr id="139" name="Título 1"/>
           <p:cNvSpPr/>
           <p:nvPr/>
         </p:nvSpPr>
         <p:spPr>
           <a:xfrm>
             <a:off x="666720" y="226800"/>
-            <a:ext cx="10946520" cy="789480"/>
+            <a:ext cx="10946160" cy="789120"/>
           </a:xfrm>
           <a:prstGeom prst="rect">
             <a:avLst/>
@@ -7282,6 +7166,7 @@
                   <a:srgbClr val="000000"/>
                 </a:solidFill>
                 <a:latin typeface="Calibri Light"/>
+                <a:ea typeface="DejaVu Sans"/>
               </a:rPr>
               <a:t>Avaliação</a:t>
             </a:r>
@@ -7293,14 +7178,14 @@
       </p:sp>
       <p:sp>
         <p:nvSpPr>
-          <p:cNvPr id="144" name="Espaço Reservado para Conteúdo 2"/>
+          <p:cNvPr id="140" name="Espaço Reservado para Conteúdo 2"/>
           <p:cNvSpPr/>
           <p:nvPr/>
         </p:nvSpPr>
         <p:spPr>
           <a:xfrm>
             <a:off x="666720" y="1262520"/>
-            <a:ext cx="10946520" cy="5283000"/>
+            <a:ext cx="10946160" cy="5282640"/>
           </a:xfrm>
           <a:prstGeom prst="rect">
             <a:avLst/>
@@ -7321,7 +7206,7 @@
             <a:noAutofit/>
           </a:bodyPr>
           <a:p>
-            <a:pPr marL="91440" indent="-283680">
+            <a:pPr marL="91440" indent="-283320">
               <a:lnSpc>
                 <a:spcPct val="100000"/>
               </a:lnSpc>
@@ -7343,15 +7228,52 @@
                   <a:srgbClr val="000000"/>
                 </a:solidFill>
                 <a:latin typeface="Calibri"/>
-              </a:rPr>
-              <a:t>Atividades + Provas</a:t>
+                <a:ea typeface="DejaVu Sans"/>
+              </a:rPr>
+              <a:t>Atividades + Provas + Trabalho Final</a:t>
             </a:r>
             <a:endParaRPr b="0" lang="pt-BR" sz="2800" spc="-1" strike="noStrike">
               <a:latin typeface="Arial"/>
             </a:endParaRPr>
           </a:p>
           <a:p>
-            <a:pPr marL="91440" indent="-283680">
+            <a:pPr>
+              <a:lnSpc>
+                <a:spcPct val="100000"/>
+              </a:lnSpc>
+              <a:spcBef>
+                <a:spcPts val="1199"/>
+              </a:spcBef>
+              <a:spcAft>
+                <a:spcPts val="201"/>
+              </a:spcAft>
+            </a:pPr>
+            <a:r>
+              <a:rPr b="1" lang="en-US" sz="2800" spc="-1" strike="noStrike">
+                <a:solidFill>
+                  <a:srgbClr val="000000"/>
+                </a:solidFill>
+                <a:latin typeface="Calibri"/>
+                <a:ea typeface="DejaVu Sans"/>
+              </a:rPr>
+              <a:t>Nota final = 0,05*(média_atividades)+0,8*(média_provas)</a:t>
+            </a:r>
+            <a:r>
+              <a:rPr b="1" lang="en-US" sz="2800" spc="-1" strike="noStrike">
+                <a:solidFill>
+                  <a:srgbClr val="000000"/>
+                </a:solidFill>
+                <a:latin typeface="Calibri"/>
+                <a:ea typeface="DejaVu Sans"/>
+              </a:rPr>
+              <a:t>+0,15*(trabalho_final) </a:t>
+            </a:r>
+            <a:endParaRPr b="0" lang="pt-BR" sz="2800" spc="-1" strike="noStrike">
+              <a:latin typeface="Arial"/>
+            </a:endParaRPr>
+          </a:p>
+          <a:p>
+            <a:pPr marL="91440" indent="-283320">
               <a:lnSpc>
                 <a:spcPct val="100000"/>
               </a:lnSpc>
@@ -7373,15 +7295,47 @@
                   <a:srgbClr val="000000"/>
                 </a:solidFill>
                 <a:latin typeface="Calibri"/>
-              </a:rPr>
-              <a:t>Cada atividade tem seu peso. Se não estiver especificado, é peso 1.</a:t>
+                <a:ea typeface="DejaVu Sans"/>
+              </a:rPr>
+              <a:t>Se nota final maior ou igual a 7</a:t>
             </a:r>
             <a:endParaRPr b="0" lang="pt-BR" sz="2800" spc="-1" strike="noStrike">
               <a:latin typeface="Arial"/>
             </a:endParaRPr>
           </a:p>
           <a:p>
-            <a:pPr marL="91440" indent="-283680">
+            <a:pPr lvl="1" marL="487080" indent="-284760">
+              <a:lnSpc>
+                <a:spcPct val="100000"/>
+              </a:lnSpc>
+              <a:spcBef>
+                <a:spcPts val="201"/>
+              </a:spcBef>
+              <a:spcAft>
+                <a:spcPts val="400"/>
+              </a:spcAft>
+              <a:buClr>
+                <a:srgbClr val="e48312"/>
+              </a:buClr>
+              <a:buFont typeface="Arial"/>
+              <a:buChar char="•"/>
+            </a:pPr>
+            <a:r>
+              <a:rPr b="0" lang="en-US" sz="2400" spc="-1" strike="noStrike">
+                <a:solidFill>
+                  <a:srgbClr val="000000"/>
+                </a:solidFill>
+                <a:latin typeface="Calibri"/>
+                <a:ea typeface="DejaVu Sans"/>
+              </a:rPr>
+              <a:t>Aprovado!</a:t>
+            </a:r>
+            <a:endParaRPr b="0" lang="pt-BR" sz="2400" spc="-1" strike="noStrike">
+              <a:latin typeface="Arial"/>
+            </a:endParaRPr>
+          </a:p>
+          <a:p>
+            <a:pPr marL="91440" indent="-283320">
               <a:lnSpc>
                 <a:spcPct val="100000"/>
               </a:lnSpc>
@@ -7403,75 +7357,16 @@
                   <a:srgbClr val="000000"/>
                 </a:solidFill>
                 <a:latin typeface="Calibri"/>
-              </a:rPr>
-              <a:t>Entrega atrasada: 2 pontos de desconto por dia</a:t>
+                <a:ea typeface="DejaVu Sans"/>
+              </a:rPr>
+              <a:t>Se nota final entre 4 (incluindo) e 7</a:t>
             </a:r>
             <a:endParaRPr b="0" lang="pt-BR" sz="2800" spc="-1" strike="noStrike">
               <a:latin typeface="Arial"/>
             </a:endParaRPr>
           </a:p>
           <a:p>
-            <a:pPr marL="91440" indent="-283680">
-              <a:lnSpc>
-                <a:spcPct val="100000"/>
-              </a:lnSpc>
-              <a:spcBef>
-                <a:spcPts val="1199"/>
-              </a:spcBef>
-              <a:spcAft>
-                <a:spcPts val="201"/>
-              </a:spcAft>
-              <a:buClr>
-                <a:srgbClr val="e48312"/>
-              </a:buClr>
-              <a:buFont typeface="Arial"/>
-              <a:buChar char="•"/>
-            </a:pPr>
-            <a:r>
-              <a:rPr b="1" lang="en-US" sz="2800" spc="-1" strike="noStrike">
-                <a:solidFill>
-                  <a:srgbClr val="000000"/>
-                </a:solidFill>
-                <a:latin typeface="Calibri"/>
-              </a:rPr>
-              <a:t>Nota final = 0,2*(média_atividades)+0,8(média_provas)</a:t>
-            </a:r>
-            <a:endParaRPr b="0" lang="pt-BR" sz="2800" spc="-1" strike="noStrike">
-              <a:latin typeface="Arial"/>
-            </a:endParaRPr>
-          </a:p>
-          <a:p>
-            <a:pPr marL="91440" indent="-283680">
-              <a:lnSpc>
-                <a:spcPct val="100000"/>
-              </a:lnSpc>
-              <a:spcBef>
-                <a:spcPts val="1199"/>
-              </a:spcBef>
-              <a:spcAft>
-                <a:spcPts val="201"/>
-              </a:spcAft>
-              <a:buClr>
-                <a:srgbClr val="e48312"/>
-              </a:buClr>
-              <a:buFont typeface="Arial"/>
-              <a:buChar char="•"/>
-            </a:pPr>
-            <a:r>
-              <a:rPr b="0" lang="en-US" sz="2800" spc="-1" strike="noStrike">
-                <a:solidFill>
-                  <a:srgbClr val="000000"/>
-                </a:solidFill>
-                <a:latin typeface="Calibri"/>
-              </a:rPr>
-              <a:t>Se nota final maior ou igual a 7</a:t>
-            </a:r>
-            <a:endParaRPr b="0" lang="pt-BR" sz="2800" spc="-1" strike="noStrike">
-              <a:latin typeface="Arial"/>
-            </a:endParaRPr>
-          </a:p>
-          <a:p>
-            <a:pPr lvl="1" marL="487080" indent="-285120">
+            <a:pPr lvl="1" marL="487080" indent="-284760">
               <a:lnSpc>
                 <a:spcPct val="100000"/>
               </a:lnSpc>
@@ -7493,45 +7388,16 @@
                   <a:srgbClr val="000000"/>
                 </a:solidFill>
                 <a:latin typeface="Calibri"/>
-              </a:rPr>
-              <a:t>Aprovado!</a:t>
+                <a:ea typeface="DejaVu Sans"/>
+              </a:rPr>
+              <a:t>Avaliação Final</a:t>
             </a:r>
             <a:endParaRPr b="0" lang="pt-BR" sz="2400" spc="-1" strike="noStrike">
               <a:latin typeface="Arial"/>
             </a:endParaRPr>
           </a:p>
           <a:p>
-            <a:pPr marL="91440" indent="-283680">
-              <a:lnSpc>
-                <a:spcPct val="100000"/>
-              </a:lnSpc>
-              <a:spcBef>
-                <a:spcPts val="1199"/>
-              </a:spcBef>
-              <a:spcAft>
-                <a:spcPts val="201"/>
-              </a:spcAft>
-              <a:buClr>
-                <a:srgbClr val="e48312"/>
-              </a:buClr>
-              <a:buFont typeface="Arial"/>
-              <a:buChar char="•"/>
-            </a:pPr>
-            <a:r>
-              <a:rPr b="0" lang="en-US" sz="2800" spc="-1" strike="noStrike">
-                <a:solidFill>
-                  <a:srgbClr val="000000"/>
-                </a:solidFill>
-                <a:latin typeface="Calibri"/>
-              </a:rPr>
-              <a:t>Se nota final entre 4 e 7</a:t>
-            </a:r>
-            <a:endParaRPr b="0" lang="pt-BR" sz="2800" spc="-1" strike="noStrike">
-              <a:latin typeface="Arial"/>
-            </a:endParaRPr>
-          </a:p>
-          <a:p>
-            <a:pPr lvl="1" marL="487080" indent="-285120">
+            <a:pPr lvl="1" marL="487080" indent="-284760">
               <a:lnSpc>
                 <a:spcPct val="100000"/>
               </a:lnSpc>
@@ -7553,36 +7419,7 @@
                   <a:srgbClr val="000000"/>
                 </a:solidFill>
                 <a:latin typeface="Calibri"/>
-              </a:rPr>
-              <a:t>Avaliação final</a:t>
-            </a:r>
-            <a:endParaRPr b="0" lang="pt-BR" sz="2400" spc="-1" strike="noStrike">
-              <a:latin typeface="Arial"/>
-            </a:endParaRPr>
-          </a:p>
-          <a:p>
-            <a:pPr lvl="1" marL="487080" indent="-285120">
-              <a:lnSpc>
-                <a:spcPct val="100000"/>
-              </a:lnSpc>
-              <a:spcBef>
-                <a:spcPts val="201"/>
-              </a:spcBef>
-              <a:spcAft>
-                <a:spcPts val="400"/>
-              </a:spcAft>
-              <a:buClr>
-                <a:srgbClr val="e48312"/>
-              </a:buClr>
-              <a:buFont typeface="Arial"/>
-              <a:buChar char="•"/>
-            </a:pPr>
-            <a:r>
-              <a:rPr b="0" lang="en-US" sz="2400" spc="-1" strike="noStrike">
-                <a:solidFill>
-                  <a:srgbClr val="000000"/>
-                </a:solidFill>
-                <a:latin typeface="Calibri"/>
+                <a:ea typeface="DejaVu Sans"/>
               </a:rPr>
               <a:t>Aprovado se (nota final + Avaliação)/2 maior ou igual 5</a:t>
             </a:r>
@@ -7624,14 +7461,14 @@
       </p:grpSpPr>
       <p:sp>
         <p:nvSpPr>
-          <p:cNvPr id="145" name="Title 1"/>
+          <p:cNvPr id="141" name="Title 1"/>
           <p:cNvSpPr/>
           <p:nvPr/>
         </p:nvSpPr>
         <p:spPr>
           <a:xfrm>
             <a:off x="666720" y="226800"/>
-            <a:ext cx="10946520" cy="789480"/>
+            <a:ext cx="10946160" cy="789120"/>
           </a:xfrm>
           <a:prstGeom prst="rect">
             <a:avLst/>
@@ -7663,6 +7500,7 @@
                   <a:srgbClr val="000000"/>
                 </a:solidFill>
                 <a:latin typeface="Calibri Light"/>
+                <a:ea typeface="DejaVu Sans"/>
               </a:rPr>
               <a:t>Dinâmica Atividades</a:t>
             </a:r>
@@ -7674,14 +7512,14 @@
       </p:sp>
       <p:sp>
         <p:nvSpPr>
-          <p:cNvPr id="146" name="Content Placeholder 2"/>
+          <p:cNvPr id="142" name="Content Placeholder 2"/>
           <p:cNvSpPr/>
           <p:nvPr/>
         </p:nvSpPr>
         <p:spPr>
           <a:xfrm>
             <a:off x="666720" y="1262520"/>
-            <a:ext cx="10946520" cy="5283000"/>
+            <a:ext cx="10946160" cy="5282640"/>
           </a:xfrm>
           <a:prstGeom prst="rect">
             <a:avLst/>
@@ -7702,7 +7540,7 @@
             <a:normAutofit/>
           </a:bodyPr>
           <a:p>
-            <a:pPr marL="91440" indent="-283680">
+            <a:pPr marL="91440" indent="-283320">
               <a:lnSpc>
                 <a:spcPct val="100000"/>
               </a:lnSpc>
@@ -7724,15 +7562,16 @@
                   <a:srgbClr val="000000"/>
                 </a:solidFill>
                 <a:latin typeface="Calibri"/>
-              </a:rPr>
-              <a:t>As atividades são feitas em sala e terminadas em casa</a:t>
+                <a:ea typeface="DejaVu Sans"/>
+              </a:rPr>
+              <a:t>As atividades são feitas em sala</a:t>
             </a:r>
             <a:endParaRPr b="0" lang="pt-BR" sz="2800" spc="-1" strike="noStrike">
               <a:latin typeface="Arial"/>
             </a:endParaRPr>
           </a:p>
           <a:p>
-            <a:pPr marL="91440" indent="-283680">
+            <a:pPr marL="91440" indent="-283320">
               <a:lnSpc>
                 <a:spcPct val="100000"/>
               </a:lnSpc>
@@ -7754,6 +7593,7 @@
                   <a:srgbClr val="000000"/>
                 </a:solidFill>
                 <a:latin typeface="Calibri"/>
+                <a:ea typeface="DejaVu Sans"/>
               </a:rPr>
               <a:t>Teremos atividade em sala na maioria das aulas</a:t>
             </a:r>
@@ -7762,7 +7602,7 @@
             </a:endParaRPr>
           </a:p>
           <a:p>
-            <a:pPr marL="91440" indent="-283680">
+            <a:pPr marL="91440" indent="-283320">
               <a:lnSpc>
                 <a:spcPct val="100000"/>
               </a:lnSpc>
@@ -7784,15 +7624,78 @@
                   <a:srgbClr val="000000"/>
                 </a:solidFill>
                 <a:latin typeface="Calibri"/>
-              </a:rPr>
-              <a:t>Pode entregar atrasado com desconto de 2 pontos por dia</a:t>
+                <a:ea typeface="DejaVu Sans"/>
+              </a:rPr>
+              <a:t>Se perder alguma atividade, é melhor fazer a atividade perdida (mesmo   que não valha nada) para treinar a matéria anterior</a:t>
             </a:r>
             <a:endParaRPr b="0" lang="pt-BR" sz="2800" spc="-1" strike="noStrike">
               <a:latin typeface="Arial"/>
             </a:endParaRPr>
           </a:p>
           <a:p>
-            <a:pPr marL="91440" indent="-283680">
+            <a:pPr lvl="1" marL="487080" indent="-284760">
+              <a:lnSpc>
+                <a:spcPct val="100000"/>
+              </a:lnSpc>
+              <a:spcBef>
+                <a:spcPts val="201"/>
+              </a:spcBef>
+              <a:spcAft>
+                <a:spcPts val="400"/>
+              </a:spcAft>
+              <a:buClr>
+                <a:srgbClr val="e48312"/>
+              </a:buClr>
+              <a:buFont typeface="Arial"/>
+              <a:buChar char="•"/>
+            </a:pPr>
+            <a:r>
+              <a:rPr b="0" lang="pt-BR" sz="2400" spc="-1" strike="noStrike">
+                <a:solidFill>
+                  <a:srgbClr val="000000"/>
+                </a:solidFill>
+                <a:latin typeface="Calibri"/>
+                <a:ea typeface="DejaVu Sans"/>
+              </a:rPr>
+              <a:t>É difícil fazer uma atividade sem fazer as anteriores</a:t>
+            </a:r>
+            <a:endParaRPr b="0" lang="pt-BR" sz="2400" spc="-1" strike="noStrike">
+              <a:latin typeface="Arial"/>
+            </a:endParaRPr>
+          </a:p>
+          <a:p>
+            <a:pPr lvl="1" marL="487080" indent="-284760">
+              <a:lnSpc>
+                <a:spcPct val="100000"/>
+              </a:lnSpc>
+              <a:spcBef>
+                <a:spcPts val="201"/>
+              </a:spcBef>
+              <a:spcAft>
+                <a:spcPts val="400"/>
+              </a:spcAft>
+              <a:buClr>
+                <a:srgbClr val="e48312"/>
+              </a:buClr>
+              <a:buFont typeface="Arial"/>
+              <a:buChar char="•"/>
+            </a:pPr>
+            <a:r>
+              <a:rPr b="0" lang="pt-BR" sz="2400" spc="-1" strike="noStrike">
+                <a:solidFill>
+                  <a:srgbClr val="000000"/>
+                </a:solidFill>
+                <a:latin typeface="Calibri"/>
+                <a:ea typeface="DejaVu Sans"/>
+              </a:rPr>
+              <a:t>O conhecimento em programação é uma escada</a:t>
+            </a:r>
+            <a:endParaRPr b="0" lang="pt-BR" sz="2400" spc="-1" strike="noStrike">
+              <a:latin typeface="Arial"/>
+            </a:endParaRPr>
+          </a:p>
+          <a:p>
+            <a:pPr marL="91440" indent="-283320">
               <a:lnSpc>
                 <a:spcPct val="100000"/>
               </a:lnSpc>
@@ -7814,15 +7717,16 @@
                   <a:srgbClr val="000000"/>
                 </a:solidFill>
                 <a:latin typeface="Calibri"/>
-              </a:rPr>
-              <a:t>Se perder alguma atividade, é melhor fazer a atividade perdida (mesmo que não valha nada) para treinar a matéria anterior</a:t>
+                <a:ea typeface="DejaVu Sans"/>
+              </a:rPr>
+              <a:t>Feedback das atividades é em sala</a:t>
             </a:r>
             <a:endParaRPr b="0" lang="pt-BR" sz="2800" spc="-1" strike="noStrike">
               <a:latin typeface="Arial"/>
             </a:endParaRPr>
           </a:p>
           <a:p>
-            <a:pPr lvl="1" marL="487080" indent="-285120">
+            <a:pPr lvl="1" marL="487080" indent="-284760">
               <a:lnSpc>
                 <a:spcPct val="100000"/>
               </a:lnSpc>
@@ -7844,15 +7748,16 @@
                   <a:srgbClr val="000000"/>
                 </a:solidFill>
                 <a:latin typeface="Calibri"/>
-              </a:rPr>
-              <a:t>É difícil fazer uma atividade sem fazer as anteriores</a:t>
+                <a:ea typeface="DejaVu Sans"/>
+              </a:rPr>
+              <a:t>Individualmente, por demanda de vocês</a:t>
             </a:r>
             <a:endParaRPr b="0" lang="pt-BR" sz="2400" spc="-1" strike="noStrike">
               <a:latin typeface="Arial"/>
             </a:endParaRPr>
           </a:p>
           <a:p>
-            <a:pPr lvl="1" marL="487080" indent="-285120">
+            <a:pPr lvl="1" marL="487080" indent="-284760">
               <a:lnSpc>
                 <a:spcPct val="100000"/>
               </a:lnSpc>
@@ -7874,96 +7779,7 @@
                   <a:srgbClr val="000000"/>
                 </a:solidFill>
                 <a:latin typeface="Calibri"/>
-              </a:rPr>
-              <a:t>O conhecimento em programação é uma escada</a:t>
-            </a:r>
-            <a:endParaRPr b="0" lang="pt-BR" sz="2400" spc="-1" strike="noStrike">
-              <a:latin typeface="Arial"/>
-            </a:endParaRPr>
-          </a:p>
-          <a:p>
-            <a:pPr marL="91440" indent="-283680">
-              <a:lnSpc>
-                <a:spcPct val="100000"/>
-              </a:lnSpc>
-              <a:spcBef>
-                <a:spcPts val="1199"/>
-              </a:spcBef>
-              <a:spcAft>
-                <a:spcPts val="201"/>
-              </a:spcAft>
-              <a:buClr>
-                <a:srgbClr val="e48312"/>
-              </a:buClr>
-              <a:buFont typeface="Arial"/>
-              <a:buChar char="•"/>
-            </a:pPr>
-            <a:r>
-              <a:rPr b="0" lang="pt-BR" sz="2800" spc="-1" strike="noStrike">
-                <a:solidFill>
-                  <a:srgbClr val="000000"/>
-                </a:solidFill>
-                <a:latin typeface="Calibri"/>
-              </a:rPr>
-              <a:t>Feedback das atividades é em sala</a:t>
-            </a:r>
-            <a:endParaRPr b="0" lang="pt-BR" sz="2800" spc="-1" strike="noStrike">
-              <a:latin typeface="Arial"/>
-            </a:endParaRPr>
-          </a:p>
-          <a:p>
-            <a:pPr lvl="1" marL="487080" indent="-285120">
-              <a:lnSpc>
-                <a:spcPct val="100000"/>
-              </a:lnSpc>
-              <a:spcBef>
-                <a:spcPts val="201"/>
-              </a:spcBef>
-              <a:spcAft>
-                <a:spcPts val="400"/>
-              </a:spcAft>
-              <a:buClr>
-                <a:srgbClr val="e48312"/>
-              </a:buClr>
-              <a:buFont typeface="Arial"/>
-              <a:buChar char="•"/>
-            </a:pPr>
-            <a:r>
-              <a:rPr b="0" lang="pt-BR" sz="2400" spc="-1" strike="noStrike">
-                <a:solidFill>
-                  <a:srgbClr val="000000"/>
-                </a:solidFill>
-                <a:latin typeface="Calibri"/>
-              </a:rPr>
-              <a:t>Individualmente, por demanda de vocês</a:t>
-            </a:r>
-            <a:endParaRPr b="0" lang="pt-BR" sz="2400" spc="-1" strike="noStrike">
-              <a:latin typeface="Arial"/>
-            </a:endParaRPr>
-          </a:p>
-          <a:p>
-            <a:pPr lvl="1" marL="487080" indent="-285120">
-              <a:lnSpc>
-                <a:spcPct val="100000"/>
-              </a:lnSpc>
-              <a:spcBef>
-                <a:spcPts val="201"/>
-              </a:spcBef>
-              <a:spcAft>
-                <a:spcPts val="400"/>
-              </a:spcAft>
-              <a:buClr>
-                <a:srgbClr val="e48312"/>
-              </a:buClr>
-              <a:buFont typeface="Arial"/>
-              <a:buChar char="•"/>
-            </a:pPr>
-            <a:r>
-              <a:rPr b="0" lang="pt-BR" sz="2400" spc="-1" strike="noStrike">
-                <a:solidFill>
-                  <a:srgbClr val="000000"/>
-                </a:solidFill>
-                <a:latin typeface="Calibri"/>
+                <a:ea typeface="DejaVu Sans"/>
               </a:rPr>
               <a:t>Para todos, por correção da atividade em sala</a:t>
             </a:r>
@@ -8047,14 +7863,14 @@
       </p:grpSpPr>
       <p:sp>
         <p:nvSpPr>
-          <p:cNvPr id="147" name="Title 1"/>
+          <p:cNvPr id="143" name="Title 1"/>
           <p:cNvSpPr/>
           <p:nvPr/>
         </p:nvSpPr>
         <p:spPr>
           <a:xfrm>
             <a:off x="666720" y="226800"/>
-            <a:ext cx="10946520" cy="789480"/>
+            <a:ext cx="10946160" cy="789120"/>
           </a:xfrm>
           <a:prstGeom prst="rect">
             <a:avLst/>
@@ -8086,6 +7902,7 @@
                   <a:srgbClr val="000000"/>
                 </a:solidFill>
                 <a:latin typeface="Calibri Light"/>
+                <a:ea typeface="DejaVu Sans"/>
               </a:rPr>
               <a:t>Observações importante!</a:t>
             </a:r>
@@ -8097,14 +7914,14 @@
       </p:sp>
       <p:sp>
         <p:nvSpPr>
-          <p:cNvPr id="148" name="Content Placeholder 2"/>
+          <p:cNvPr id="144" name="Content Placeholder 2"/>
           <p:cNvSpPr/>
           <p:nvPr/>
         </p:nvSpPr>
         <p:spPr>
           <a:xfrm>
             <a:off x="666720" y="1262520"/>
-            <a:ext cx="10946520" cy="5283000"/>
+            <a:ext cx="10946160" cy="5282640"/>
           </a:xfrm>
           <a:prstGeom prst="rect">
             <a:avLst/>
@@ -8125,7 +7942,7 @@
             <a:noAutofit/>
           </a:bodyPr>
           <a:p>
-            <a:pPr marL="91440" indent="-283680">
+            <a:pPr marL="91440" indent="-283320">
               <a:lnSpc>
                 <a:spcPct val="100000"/>
               </a:lnSpc>
@@ -8147,6 +7964,7 @@
                   <a:srgbClr val="000000"/>
                 </a:solidFill>
                 <a:latin typeface="Calibri"/>
+                <a:ea typeface="DejaVu Sans"/>
               </a:rPr>
               <a:t>Autonomia</a:t>
             </a:r>
@@ -8156,6 +7974,7 @@
                   <a:srgbClr val="000000"/>
                 </a:solidFill>
                 <a:latin typeface="Calibri"/>
+                <a:ea typeface="DejaVu Sans"/>
               </a:rPr>
               <a:t> </a:t>
             </a:r>
@@ -8164,7 +7983,7 @@
             </a:endParaRPr>
           </a:p>
           <a:p>
-            <a:pPr marL="91440" indent="-283680">
+            <a:pPr marL="91440" indent="-283320">
               <a:lnSpc>
                 <a:spcPct val="100000"/>
               </a:lnSpc>
@@ -8186,6 +8005,7 @@
                   <a:srgbClr val="000000"/>
                 </a:solidFill>
                 <a:latin typeface="Calibri"/>
+                <a:ea typeface="DejaVu Sans"/>
               </a:rPr>
               <a:t>Atividades são individuais</a:t>
             </a:r>
@@ -8194,7 +8014,7 @@
             </a:endParaRPr>
           </a:p>
           <a:p>
-            <a:pPr marL="91440" indent="-283680">
+            <a:pPr marL="91440" indent="-283320">
               <a:lnSpc>
                 <a:spcPct val="100000"/>
               </a:lnSpc>
@@ -8216,6 +8036,7 @@
                   <a:srgbClr val="000000"/>
                 </a:solidFill>
                 <a:latin typeface="Calibri"/>
+                <a:ea typeface="DejaVu Sans"/>
               </a:rPr>
               <a:t> </a:t>
             </a:r>
@@ -8225,6 +8046,7 @@
                   <a:srgbClr val="000000"/>
                 </a:solidFill>
                 <a:latin typeface="Calibri"/>
+                <a:ea typeface="DejaVu Sans"/>
               </a:rPr>
               <a:t>Monitores e amigos podem ajudar pontualmente</a:t>
             </a:r>
@@ -8233,7 +8055,7 @@
             </a:endParaRPr>
           </a:p>
           <a:p>
-            <a:pPr lvl="1" marL="487080" indent="-285120">
+            <a:pPr lvl="1" marL="487080" indent="-284760">
               <a:lnSpc>
                 <a:spcPct val="100000"/>
               </a:lnSpc>
@@ -8255,6 +8077,7 @@
                   <a:srgbClr val="000000"/>
                 </a:solidFill>
                 <a:latin typeface="Calibri"/>
+                <a:ea typeface="DejaVu Sans"/>
               </a:rPr>
               <a:t> </a:t>
             </a:r>
@@ -8264,6 +8087,7 @@
                   <a:srgbClr val="000000"/>
                 </a:solidFill>
                 <a:latin typeface="Calibri"/>
+                <a:ea typeface="DejaVu Sans"/>
               </a:rPr>
               <a:t>Mas é necessário haver uma autonomia em fazer os trabalhos</a:t>
             </a:r>
@@ -8272,7 +8096,7 @@
             </a:endParaRPr>
           </a:p>
           <a:p>
-            <a:pPr lvl="1" marL="487080" indent="-285120">
+            <a:pPr lvl="1" marL="487080" indent="-284760">
               <a:lnSpc>
                 <a:spcPct val="100000"/>
               </a:lnSpc>
@@ -8294,6 +8118,7 @@
                   <a:srgbClr val="000000"/>
                 </a:solidFill>
                 <a:latin typeface="Calibri"/>
+                <a:ea typeface="DejaVu Sans"/>
               </a:rPr>
               <a:t> </a:t>
             </a:r>
@@ -8303,6 +8128,7 @@
                   <a:srgbClr val="000000"/>
                 </a:solidFill>
                 <a:latin typeface="Calibri"/>
+                <a:ea typeface="DejaVu Sans"/>
               </a:rPr>
               <a:t>Cuidado para não usar seus monitores como muletas</a:t>
             </a:r>
@@ -8311,7 +8137,7 @@
             </a:endParaRPr>
           </a:p>
           <a:p>
-            <a:pPr lvl="1" marL="487080" indent="-285120">
+            <a:pPr lvl="1" marL="487080" indent="-284760">
               <a:lnSpc>
                 <a:spcPct val="100000"/>
               </a:lnSpc>
@@ -8333,6 +8159,7 @@
                   <a:srgbClr val="000000"/>
                 </a:solidFill>
                 <a:latin typeface="Calibri"/>
+                <a:ea typeface="DejaVu Sans"/>
               </a:rPr>
               <a:t> </a:t>
             </a:r>
@@ -8342,6 +8169,7 @@
                   <a:srgbClr val="000000"/>
                 </a:solidFill>
                 <a:latin typeface="Calibri"/>
+                <a:ea typeface="DejaVu Sans"/>
               </a:rPr>
               <a:t>Trabalhos ficam super parecidos (quase cópia)</a:t>
             </a:r>
@@ -8350,7 +8178,7 @@
             </a:endParaRPr>
           </a:p>
           <a:p>
-            <a:pPr marL="91440" indent="-283680">
+            <a:pPr marL="91440" indent="-283320">
               <a:lnSpc>
                 <a:spcPct val="100000"/>
               </a:lnSpc>
@@ -8372,6 +8200,7 @@
                   <a:srgbClr val="000000"/>
                 </a:solidFill>
                 <a:latin typeface="Calibri"/>
+                <a:ea typeface="DejaVu Sans"/>
               </a:rPr>
               <a:t>É preciso </a:t>
             </a:r>
@@ -8381,6 +8210,7 @@
                   <a:srgbClr val="000000"/>
                 </a:solidFill>
                 <a:latin typeface="Calibri"/>
+                <a:ea typeface="DejaVu Sans"/>
               </a:rPr>
               <a:t>independência</a:t>
             </a:r>
@@ -8390,6 +8220,7 @@
                   <a:srgbClr val="000000"/>
                 </a:solidFill>
                 <a:latin typeface="Calibri"/>
+                <a:ea typeface="DejaVu Sans"/>
               </a:rPr>
               <a:t>! Afinal, a prova é individual</a:t>
             </a:r>
@@ -8412,48 +8243,6 @@
                 <a:tab algn="l" pos="0"/>
               </a:tabLst>
             </a:pPr>
-            <a:endParaRPr b="0" lang="pt-BR" sz="2800" spc="-1" strike="noStrike">
-              <a:latin typeface="Arial"/>
-            </a:endParaRPr>
-          </a:p>
-          <a:p>
-            <a:pPr marL="91440" indent="-283680">
-              <a:lnSpc>
-                <a:spcPct val="100000"/>
-              </a:lnSpc>
-              <a:spcBef>
-                <a:spcPts val="1199"/>
-              </a:spcBef>
-              <a:spcAft>
-                <a:spcPts val="201"/>
-              </a:spcAft>
-              <a:buClr>
-                <a:srgbClr val="e48312"/>
-              </a:buClr>
-              <a:buFont typeface="Arial"/>
-              <a:buChar char="•"/>
-              <a:tabLst>
-                <a:tab algn="l" pos="0"/>
-              </a:tabLst>
-            </a:pPr>
-            <a:r>
-              <a:rPr b="1" lang="en-US" sz="2800" spc="-1" strike="noStrike">
-                <a:solidFill>
-                  <a:srgbClr val="000000"/>
-                </a:solidFill>
-                <a:latin typeface="Calibri"/>
-              </a:rPr>
-              <a:t>PS</a:t>
-            </a:r>
-            <a:r>
-              <a:rPr b="0" lang="en-US" sz="2800" spc="-1" strike="noStrike">
-                <a:solidFill>
-                  <a:srgbClr val="000000"/>
-                </a:solidFill>
-                <a:latin typeface="Calibri"/>
-              </a:rPr>
-              <a:t>: Cuidado com a propaganda negativa dos veteranos!</a:t>
-            </a:r>
             <a:endParaRPr b="0" lang="pt-BR" sz="2800" spc="-1" strike="noStrike">
               <a:latin typeface="Arial"/>
             </a:endParaRPr>
@@ -8530,14 +8319,14 @@
       </p:grpSpPr>
       <p:sp>
         <p:nvSpPr>
-          <p:cNvPr id="149" name="Título 1"/>
+          <p:cNvPr id="145" name="Título 1"/>
           <p:cNvSpPr/>
           <p:nvPr/>
         </p:nvSpPr>
         <p:spPr>
           <a:xfrm>
             <a:off x="666720" y="226800"/>
-            <a:ext cx="10946520" cy="789480"/>
+            <a:ext cx="10946160" cy="789120"/>
           </a:xfrm>
           <a:prstGeom prst="rect">
             <a:avLst/>
@@ -8569,6 +8358,7 @@
                   <a:srgbClr val="000000"/>
                 </a:solidFill>
                 <a:latin typeface="Calibri Light"/>
+                <a:ea typeface="DejaVu Sans"/>
               </a:rPr>
               <a:t>Erros</a:t>
             </a:r>
@@ -8580,14 +8370,14 @@
       </p:sp>
       <p:sp>
         <p:nvSpPr>
-          <p:cNvPr id="150" name="Espaço Reservado para Conteúdo 2"/>
+          <p:cNvPr id="146" name="Espaço Reservado para Conteúdo 2"/>
           <p:cNvSpPr/>
           <p:nvPr/>
         </p:nvSpPr>
         <p:spPr>
           <a:xfrm>
             <a:off x="666720" y="1262520"/>
-            <a:ext cx="10946520" cy="5283000"/>
+            <a:ext cx="10946160" cy="5282640"/>
           </a:xfrm>
           <a:prstGeom prst="rect">
             <a:avLst/>
@@ -8608,7 +8398,7 @@
             <a:normAutofit/>
           </a:bodyPr>
           <a:p>
-            <a:pPr marL="91440" indent="-283680">
+            <a:pPr marL="91440" indent="-283320">
               <a:lnSpc>
                 <a:spcPct val="100000"/>
               </a:lnSpc>
@@ -8630,6 +8420,7 @@
                   <a:srgbClr val="000000"/>
                 </a:solidFill>
                 <a:latin typeface="Calibri"/>
+                <a:ea typeface="DejaVu Sans"/>
               </a:rPr>
               <a:t> </a:t>
             </a:r>
@@ -8639,6 +8430,7 @@
                   <a:srgbClr val="000000"/>
                 </a:solidFill>
                 <a:latin typeface="Calibri"/>
+                <a:ea typeface="DejaVu Sans"/>
               </a:rPr>
               <a:t>Erros fazem parte do aprendizado!</a:t>
             </a:r>
@@ -8647,7 +8439,7 @@
             </a:endParaRPr>
           </a:p>
           <a:p>
-            <a:pPr marL="91440" indent="-283680">
+            <a:pPr marL="91440" indent="-283320">
               <a:lnSpc>
                 <a:spcPct val="100000"/>
               </a:lnSpc>
@@ -8669,6 +8461,7 @@
                   <a:srgbClr val="000000"/>
                 </a:solidFill>
                 <a:latin typeface="Calibri"/>
+                <a:ea typeface="DejaVu Sans"/>
               </a:rPr>
               <a:t> </a:t>
             </a:r>
@@ -8678,6 +8471,7 @@
                   <a:srgbClr val="000000"/>
                 </a:solidFill>
                 <a:latin typeface="Calibri"/>
+                <a:ea typeface="DejaVu Sans"/>
               </a:rPr>
               <a:t>É preciso saber resolver os erros sozinho.</a:t>
             </a:r>
@@ -8686,7 +8480,7 @@
             </a:endParaRPr>
           </a:p>
           <a:p>
-            <a:pPr marL="91440" indent="-283680">
+            <a:pPr marL="91440" indent="-283320">
               <a:lnSpc>
                 <a:spcPct val="100000"/>
               </a:lnSpc>
@@ -8708,6 +8502,7 @@
                   <a:srgbClr val="000000"/>
                 </a:solidFill>
                 <a:latin typeface="Calibri"/>
+                <a:ea typeface="DejaVu Sans"/>
               </a:rPr>
               <a:t> </a:t>
             </a:r>
@@ -8717,6 +8512,7 @@
                   <a:srgbClr val="000000"/>
                 </a:solidFill>
                 <a:latin typeface="Calibri"/>
+                <a:ea typeface="DejaVu Sans"/>
               </a:rPr>
               <a:t>Melhor processo de aprendizado: entender o erro e tentar consertar. Se não conseguir, pede ajuda.</a:t>
             </a:r>
@@ -8725,7 +8521,7 @@
             </a:endParaRPr>
           </a:p>
           <a:p>
-            <a:pPr marL="91440" indent="-283680">
+            <a:pPr marL="91440" indent="-283320">
               <a:lnSpc>
                 <a:spcPct val="100000"/>
               </a:lnSpc>
@@ -8747,6 +8543,7 @@
                   <a:srgbClr val="000000"/>
                 </a:solidFill>
                 <a:latin typeface="Calibri"/>
+                <a:ea typeface="DejaVu Sans"/>
               </a:rPr>
               <a:t>Erro comum: Mudar o código na tentativa/erro sem entender o que está acontecendo</a:t>
             </a:r>
@@ -8788,14 +8585,14 @@
       </p:grpSpPr>
       <p:sp>
         <p:nvSpPr>
-          <p:cNvPr id="151" name="Título 1"/>
+          <p:cNvPr id="147" name="Título 1"/>
           <p:cNvSpPr/>
           <p:nvPr/>
         </p:nvSpPr>
         <p:spPr>
           <a:xfrm>
             <a:off x="666720" y="226800"/>
-            <a:ext cx="10946520" cy="789480"/>
+            <a:ext cx="10946160" cy="789120"/>
           </a:xfrm>
           <a:prstGeom prst="rect">
             <a:avLst/>
@@ -8827,6 +8624,7 @@
                   <a:srgbClr val="000000"/>
                 </a:solidFill>
                 <a:latin typeface="Calibri Light"/>
+                <a:ea typeface="DejaVu Sans"/>
               </a:rPr>
               <a:t>Processo de resolução de erros</a:t>
             </a:r>
@@ -8838,14 +8636,14 @@
       </p:sp>
       <p:sp>
         <p:nvSpPr>
-          <p:cNvPr id="152" name="Espaço Reservado para Conteúdo 2"/>
+          <p:cNvPr id="148" name="Espaço Reservado para Conteúdo 2"/>
           <p:cNvSpPr/>
           <p:nvPr/>
         </p:nvSpPr>
         <p:spPr>
           <a:xfrm>
             <a:off x="666720" y="1262520"/>
-            <a:ext cx="10946520" cy="5283000"/>
+            <a:ext cx="10946160" cy="5282640"/>
           </a:xfrm>
           <a:prstGeom prst="rect">
             <a:avLst/>
@@ -8866,7 +8664,7 @@
             <a:noAutofit/>
           </a:bodyPr>
           <a:p>
-            <a:pPr marL="91440" indent="-283680">
+            <a:pPr marL="91440" indent="-283320">
               <a:lnSpc>
                 <a:spcPct val="100000"/>
               </a:lnSpc>
@@ -8888,6 +8686,17 @@
                   <a:srgbClr val="000000"/>
                 </a:solidFill>
                 <a:latin typeface="Calibri"/>
+                <a:ea typeface="DejaVu Sans"/>
+              </a:rPr>
+              <a:t> </a:t>
+            </a:r>
+            <a:r>
+              <a:rPr b="0" lang="pt-BR" sz="2800" spc="-1" strike="noStrike">
+                <a:solidFill>
+                  <a:srgbClr val="000000"/>
+                </a:solidFill>
+                <a:latin typeface="Calibri"/>
+                <a:ea typeface="DejaVu Sans"/>
               </a:rPr>
               <a:t>O que fazer?</a:t>
             </a:r>
@@ -8896,7 +8705,7 @@
             </a:endParaRPr>
           </a:p>
           <a:p>
-            <a:pPr lvl="1" marL="487080" indent="-285120">
+            <a:pPr lvl="1" marL="487080" indent="-284760">
               <a:lnSpc>
                 <a:spcPct val="100000"/>
               </a:lnSpc>
@@ -8918,15 +8727,7 @@
                   <a:srgbClr val="000000"/>
                 </a:solidFill>
                 <a:latin typeface="Calibri"/>
-              </a:rPr>
-              <a:t> </a:t>
-            </a:r>
-            <a:r>
-              <a:rPr b="0" lang="pt-BR" sz="2400" spc="-1" strike="noStrike">
-                <a:solidFill>
-                  <a:srgbClr val="000000"/>
-                </a:solidFill>
-                <a:latin typeface="Calibri"/>
+                <a:ea typeface="DejaVu Sans"/>
               </a:rPr>
               <a:t>Ler mensagem de erro com calma</a:t>
             </a:r>
@@ -8935,7 +8736,7 @@
             </a:endParaRPr>
           </a:p>
           <a:p>
-            <a:pPr lvl="1" marL="487080" indent="-285120">
+            <a:pPr lvl="1" marL="487080" indent="-284760">
               <a:lnSpc>
                 <a:spcPct val="100000"/>
               </a:lnSpc>
@@ -8957,15 +8758,7 @@
                   <a:srgbClr val="000000"/>
                 </a:solidFill>
                 <a:latin typeface="Calibri"/>
-              </a:rPr>
-              <a:t> </a:t>
-            </a:r>
-            <a:r>
-              <a:rPr b="0" lang="pt-BR" sz="2400" spc="-1" strike="noStrike">
-                <a:solidFill>
-                  <a:srgbClr val="000000"/>
-                </a:solidFill>
-                <a:latin typeface="Calibri"/>
+                <a:ea typeface="DejaVu Sans"/>
               </a:rPr>
               <a:t>Traduzir para português</a:t>
             </a:r>
@@ -8974,7 +8767,7 @@
             </a:endParaRPr>
           </a:p>
           <a:p>
-            <a:pPr lvl="1" marL="487080" indent="-285120">
+            <a:pPr lvl="1" marL="487080" indent="-284760">
               <a:lnSpc>
                 <a:spcPct val="100000"/>
               </a:lnSpc>
@@ -8996,15 +8789,7 @@
                   <a:srgbClr val="000000"/>
                 </a:solidFill>
                 <a:latin typeface="Calibri"/>
-              </a:rPr>
-              <a:t> </a:t>
-            </a:r>
-            <a:r>
-              <a:rPr b="0" lang="pt-BR" sz="2400" spc="-1" strike="noStrike">
-                <a:solidFill>
-                  <a:srgbClr val="000000"/>
-                </a:solidFill>
-                <a:latin typeface="Calibri"/>
+                <a:ea typeface="DejaVu Sans"/>
               </a:rPr>
               <a:t>Tentar entender</a:t>
             </a:r>
@@ -9013,7 +8798,7 @@
             </a:endParaRPr>
           </a:p>
           <a:p>
-            <a:pPr lvl="1" marL="487080" indent="-285120">
+            <a:pPr lvl="1" marL="487080" indent="-284760">
               <a:lnSpc>
                 <a:spcPct val="100000"/>
               </a:lnSpc>
@@ -9035,15 +8820,7 @@
                   <a:srgbClr val="000000"/>
                 </a:solidFill>
                 <a:latin typeface="Calibri"/>
-              </a:rPr>
-              <a:t> </a:t>
-            </a:r>
-            <a:r>
-              <a:rPr b="0" lang="pt-BR" sz="2400" spc="-1" strike="noStrike">
-                <a:solidFill>
-                  <a:srgbClr val="000000"/>
-                </a:solidFill>
-                <a:latin typeface="Calibri"/>
+                <a:ea typeface="DejaVu Sans"/>
               </a:rPr>
               <a:t>Olhar o inspetor do navegador: verificar onde estão os elementos, se as regras css funcionaram…</a:t>
             </a:r>
@@ -9052,7 +8829,7 @@
             </a:endParaRPr>
           </a:p>
           <a:p>
-            <a:pPr lvl="1" marL="487080" indent="-285120">
+            <a:pPr lvl="1" marL="487080" indent="-284760">
               <a:lnSpc>
                 <a:spcPct val="100000"/>
               </a:lnSpc>
@@ -9074,6 +8851,7 @@
                   <a:srgbClr val="000000"/>
                 </a:solidFill>
                 <a:latin typeface="Calibri"/>
+                <a:ea typeface="DejaVu Sans"/>
               </a:rPr>
               <a:t>console.log é seu melhor amigo! Imprimir variáveis na tela seguindo o fluxo da execução</a:t>
             </a:r>
@@ -9082,7 +8860,7 @@
             </a:endParaRPr>
           </a:p>
           <a:p>
-            <a:pPr marL="91440" indent="-283680">
+            <a:pPr marL="91440" indent="-283320">
               <a:lnSpc>
                 <a:spcPct val="100000"/>
               </a:lnSpc>
@@ -9104,6 +8882,17 @@
                   <a:srgbClr val="000000"/>
                 </a:solidFill>
                 <a:latin typeface="Calibri"/>
+                <a:ea typeface="DejaVu Sans"/>
+              </a:rPr>
+              <a:t> </a:t>
+            </a:r>
+            <a:r>
+              <a:rPr b="0" lang="pt-BR" sz="2800" spc="-1" strike="noStrike">
+                <a:solidFill>
+                  <a:srgbClr val="000000"/>
+                </a:solidFill>
+                <a:latin typeface="Calibri"/>
+                <a:ea typeface="DejaVu Sans"/>
               </a:rPr>
               <a:t>Se não conseguir</a:t>
             </a:r>
@@ -9112,7 +8901,7 @@
             </a:endParaRPr>
           </a:p>
           <a:p>
-            <a:pPr lvl="1" marL="487080" indent="-285120">
+            <a:pPr lvl="1" marL="487080" indent="-284760">
               <a:lnSpc>
                 <a:spcPct val="100000"/>
               </a:lnSpc>
@@ -9134,6 +8923,7 @@
                   <a:srgbClr val="000000"/>
                 </a:solidFill>
                 <a:latin typeface="Calibri"/>
+                <a:ea typeface="DejaVu Sans"/>
               </a:rPr>
               <a:t>Olhar no google</a:t>
             </a:r>
@@ -9142,7 +8932,7 @@
             </a:endParaRPr>
           </a:p>
           <a:p>
-            <a:pPr lvl="1" marL="487080" indent="-285120">
+            <a:pPr lvl="1" marL="487080" indent="-284760">
               <a:lnSpc>
                 <a:spcPct val="100000"/>
               </a:lnSpc>
@@ -9164,6 +8954,7 @@
                   <a:srgbClr val="000000"/>
                 </a:solidFill>
                 <a:latin typeface="Calibri"/>
+                <a:ea typeface="DejaVu Sans"/>
               </a:rPr>
               <a:t>Falar com o professor/monitor/amigo</a:t>
             </a:r>
